--- a/360VSOD/show/figure_update/fig_statistics.pptx
+++ b/360VSOD/show/figure_update/fig_statistics.pptx
@@ -104,6 +104,11 @@
       </a:defRPr>
     </a:lvl9pPr>
   </p:defaultTextStyle>
+  <p:extLst>
+    <p:ext uri="{EFAFB233-063F-42B5-8137-9DF3F51BA10A}">
+      <p15:sldGuideLst xmlns:p15="http://schemas.microsoft.com/office/powerpoint/2012/main"/>
+    </p:ext>
+  </p:extLst>
 </p:presentation>
 </file>
 
@@ -238,7 +243,7 @@
           <a:p>
             <a:fld id="{C9B7C85D-0A2E-7247-A531-D0728039E0F4}" type="datetimeFigureOut">
               <a:rPr lang="en-US" smtClean="0"/>
-              <a:t>8/30/20</a:t>
+              <a:t>9/12/20</a:t>
             </a:fld>
             <a:endParaRPr lang="en-US"/>
           </a:p>
@@ -408,7 +413,7 @@
           <a:p>
             <a:fld id="{C9B7C85D-0A2E-7247-A531-D0728039E0F4}" type="datetimeFigureOut">
               <a:rPr lang="en-US" smtClean="0"/>
-              <a:t>8/30/20</a:t>
+              <a:t>9/12/20</a:t>
             </a:fld>
             <a:endParaRPr lang="en-US"/>
           </a:p>
@@ -588,7 +593,7 @@
           <a:p>
             <a:fld id="{C9B7C85D-0A2E-7247-A531-D0728039E0F4}" type="datetimeFigureOut">
               <a:rPr lang="en-US" smtClean="0"/>
-              <a:t>8/30/20</a:t>
+              <a:t>9/12/20</a:t>
             </a:fld>
             <a:endParaRPr lang="en-US"/>
           </a:p>
@@ -758,7 +763,7 @@
           <a:p>
             <a:fld id="{C9B7C85D-0A2E-7247-A531-D0728039E0F4}" type="datetimeFigureOut">
               <a:rPr lang="en-US" smtClean="0"/>
-              <a:t>8/30/20</a:t>
+              <a:t>9/12/20</a:t>
             </a:fld>
             <a:endParaRPr lang="en-US"/>
           </a:p>
@@ -1004,7 +1009,7 @@
           <a:p>
             <a:fld id="{C9B7C85D-0A2E-7247-A531-D0728039E0F4}" type="datetimeFigureOut">
               <a:rPr lang="en-US" smtClean="0"/>
-              <a:t>8/30/20</a:t>
+              <a:t>9/12/20</a:t>
             </a:fld>
             <a:endParaRPr lang="en-US"/>
           </a:p>
@@ -1236,7 +1241,7 @@
           <a:p>
             <a:fld id="{C9B7C85D-0A2E-7247-A531-D0728039E0F4}" type="datetimeFigureOut">
               <a:rPr lang="en-US" smtClean="0"/>
-              <a:t>8/30/20</a:t>
+              <a:t>9/12/20</a:t>
             </a:fld>
             <a:endParaRPr lang="en-US"/>
           </a:p>
@@ -1603,7 +1608,7 @@
           <a:p>
             <a:fld id="{C9B7C85D-0A2E-7247-A531-D0728039E0F4}" type="datetimeFigureOut">
               <a:rPr lang="en-US" smtClean="0"/>
-              <a:t>8/30/20</a:t>
+              <a:t>9/12/20</a:t>
             </a:fld>
             <a:endParaRPr lang="en-US"/>
           </a:p>
@@ -1721,7 +1726,7 @@
           <a:p>
             <a:fld id="{C9B7C85D-0A2E-7247-A531-D0728039E0F4}" type="datetimeFigureOut">
               <a:rPr lang="en-US" smtClean="0"/>
-              <a:t>8/30/20</a:t>
+              <a:t>9/12/20</a:t>
             </a:fld>
             <a:endParaRPr lang="en-US"/>
           </a:p>
@@ -1816,7 +1821,7 @@
           <a:p>
             <a:fld id="{C9B7C85D-0A2E-7247-A531-D0728039E0F4}" type="datetimeFigureOut">
               <a:rPr lang="en-US" smtClean="0"/>
-              <a:t>8/30/20</a:t>
+              <a:t>9/12/20</a:t>
             </a:fld>
             <a:endParaRPr lang="en-US"/>
           </a:p>
@@ -2093,7 +2098,7 @@
           <a:p>
             <a:fld id="{C9B7C85D-0A2E-7247-A531-D0728039E0F4}" type="datetimeFigureOut">
               <a:rPr lang="en-US" smtClean="0"/>
-              <a:t>8/30/20</a:t>
+              <a:t>9/12/20</a:t>
             </a:fld>
             <a:endParaRPr lang="en-US"/>
           </a:p>
@@ -2346,7 +2351,7 @@
           <a:p>
             <a:fld id="{C9B7C85D-0A2E-7247-A531-D0728039E0F4}" type="datetimeFigureOut">
               <a:rPr lang="en-US" smtClean="0"/>
-              <a:t>8/30/20</a:t>
+              <a:t>9/12/20</a:t>
             </a:fld>
             <a:endParaRPr lang="en-US"/>
           </a:p>
@@ -2559,7 +2564,7 @@
           <a:p>
             <a:fld id="{C9B7C85D-0A2E-7247-A531-D0728039E0F4}" type="datetimeFigureOut">
               <a:rPr lang="en-US" smtClean="0"/>
-              <a:t>8/30/20</a:t>
+              <a:t>9/12/20</a:t>
             </a:fld>
             <a:endParaRPr lang="en-US"/>
           </a:p>
@@ -2964,9 +2969,249 @@
           <a:chExt cx="0" cy="0"/>
         </a:xfrm>
       </p:grpSpPr>
+      <p:sp>
+        <p:nvSpPr>
+          <p:cNvPr id="9" name="TextBox 8"/>
+          <p:cNvSpPr txBox="1"/>
+          <p:nvPr/>
+        </p:nvSpPr>
+        <p:spPr>
+          <a:xfrm>
+            <a:off x="1123800" y="5177219"/>
+            <a:ext cx="2129051" cy="369332"/>
+          </a:xfrm>
+          <a:prstGeom prst="rect">
+            <a:avLst/>
+          </a:prstGeom>
+          <a:noFill/>
+        </p:spPr>
+        <p:txBody>
+          <a:bodyPr wrap="square" rtlCol="0">
+            <a:spAutoFit/>
+          </a:bodyPr>
+          <a:lstStyle/>
+          <a:p>
+            <a:r>
+              <a:rPr lang="en-US" altLang="zh-CN" dirty="0" smtClean="0"/>
+              <a:t>(</a:t>
+            </a:r>
+            <a:r>
+              <a:rPr lang="en-US" altLang="zh-CN" dirty="0" smtClean="0">
+                <a:latin typeface="Times New Roman" charset="0"/>
+                <a:ea typeface="Times New Roman" charset="0"/>
+                <a:cs typeface="Times New Roman" charset="0"/>
+              </a:rPr>
+              <a:t>a)</a:t>
+            </a:r>
+            <a:r>
+              <a:rPr lang="zh-CN" altLang="en-US" dirty="0">
+                <a:latin typeface="Times New Roman" charset="0"/>
+                <a:ea typeface="Times New Roman" charset="0"/>
+                <a:cs typeface="Times New Roman" charset="0"/>
+              </a:rPr>
+              <a:t> </a:t>
+            </a:r>
+            <a:r>
+              <a:rPr lang="en-US" altLang="zh-CN" dirty="0" smtClean="0">
+                <a:latin typeface="Times New Roman" charset="0"/>
+                <a:ea typeface="Times New Roman" charset="0"/>
+                <a:cs typeface="Times New Roman" charset="0"/>
+              </a:rPr>
+              <a:t>Scene</a:t>
+            </a:r>
+            <a:r>
+              <a:rPr lang="zh-CN" altLang="en-US" dirty="0" smtClean="0">
+                <a:latin typeface="Times New Roman" charset="0"/>
+                <a:ea typeface="Times New Roman" charset="0"/>
+                <a:cs typeface="Times New Roman" charset="0"/>
+              </a:rPr>
+              <a:t> </a:t>
+            </a:r>
+            <a:r>
+              <a:rPr lang="en-US" altLang="zh-CN" dirty="0" smtClean="0">
+                <a:latin typeface="Times New Roman" charset="0"/>
+                <a:ea typeface="Times New Roman" charset="0"/>
+                <a:cs typeface="Times New Roman" charset="0"/>
+              </a:rPr>
+              <a:t>categories</a:t>
+            </a:r>
+            <a:endParaRPr lang="en-US" dirty="0">
+              <a:latin typeface="Times New Roman" charset="0"/>
+              <a:ea typeface="Times New Roman" charset="0"/>
+              <a:cs typeface="Times New Roman" charset="0"/>
+            </a:endParaRPr>
+          </a:p>
+        </p:txBody>
+      </p:sp>
+      <p:sp>
+        <p:nvSpPr>
+          <p:cNvPr id="10" name="TextBox 9"/>
+          <p:cNvSpPr txBox="1"/>
+          <p:nvPr/>
+        </p:nvSpPr>
+        <p:spPr>
+          <a:xfrm>
+            <a:off x="5098866" y="5177219"/>
+            <a:ext cx="6212006" cy="369332"/>
+          </a:xfrm>
+          <a:prstGeom prst="rect">
+            <a:avLst/>
+          </a:prstGeom>
+          <a:noFill/>
+        </p:spPr>
+        <p:txBody>
+          <a:bodyPr wrap="square" rtlCol="0">
+            <a:spAutoFit/>
+          </a:bodyPr>
+          <a:lstStyle/>
+          <a:p>
+            <a:r>
+              <a:rPr lang="en-US" altLang="zh-CN" dirty="0" smtClean="0">
+                <a:latin typeface="Times New Roman" charset="0"/>
+                <a:ea typeface="Times New Roman" charset="0"/>
+                <a:cs typeface="Times New Roman" charset="0"/>
+              </a:rPr>
+              <a:t>(b)</a:t>
+            </a:r>
+            <a:r>
+              <a:rPr lang="zh-CN" altLang="en-US" dirty="0" smtClean="0">
+                <a:latin typeface="Times New Roman" charset="0"/>
+                <a:ea typeface="Times New Roman" charset="0"/>
+                <a:cs typeface="Times New Roman" charset="0"/>
+              </a:rPr>
+              <a:t> </a:t>
+            </a:r>
+            <a:r>
+              <a:rPr lang="en-US" altLang="zh-CN" dirty="0" smtClean="0">
+                <a:latin typeface="Times New Roman" charset="0"/>
+                <a:ea typeface="Times New Roman" charset="0"/>
+                <a:cs typeface="Times New Roman" charset="0"/>
+              </a:rPr>
+              <a:t>Number</a:t>
+            </a:r>
+            <a:r>
+              <a:rPr lang="zh-CN" altLang="en-US" dirty="0" smtClean="0">
+                <a:latin typeface="Times New Roman" charset="0"/>
+                <a:ea typeface="Times New Roman" charset="0"/>
+                <a:cs typeface="Times New Roman" charset="0"/>
+              </a:rPr>
+              <a:t> </a:t>
+            </a:r>
+            <a:r>
+              <a:rPr lang="en-US" altLang="zh-CN" dirty="0" smtClean="0">
+                <a:latin typeface="Times New Roman" charset="0"/>
+                <a:ea typeface="Times New Roman" charset="0"/>
+                <a:cs typeface="Times New Roman" charset="0"/>
+              </a:rPr>
+              <a:t>of</a:t>
+            </a:r>
+            <a:r>
+              <a:rPr lang="zh-CN" altLang="en-US" dirty="0" smtClean="0">
+                <a:latin typeface="Times New Roman" charset="0"/>
+                <a:ea typeface="Times New Roman" charset="0"/>
+                <a:cs typeface="Times New Roman" charset="0"/>
+              </a:rPr>
+              <a:t> </a:t>
+            </a:r>
+            <a:r>
+              <a:rPr lang="en-US" altLang="zh-CN" dirty="0" smtClean="0">
+                <a:latin typeface="Times New Roman" charset="0"/>
+                <a:ea typeface="Times New Roman" charset="0"/>
+                <a:cs typeface="Times New Roman" charset="0"/>
+              </a:rPr>
+              <a:t>object-/instance-level</a:t>
+            </a:r>
+            <a:r>
+              <a:rPr lang="zh-CN" altLang="en-US" dirty="0" smtClean="0">
+                <a:latin typeface="Times New Roman" charset="0"/>
+                <a:ea typeface="Times New Roman" charset="0"/>
+                <a:cs typeface="Times New Roman" charset="0"/>
+              </a:rPr>
+              <a:t> </a:t>
+            </a:r>
+            <a:r>
+              <a:rPr lang="en-US" altLang="zh-CN" dirty="0" smtClean="0">
+                <a:latin typeface="Times New Roman" charset="0"/>
+                <a:ea typeface="Times New Roman" charset="0"/>
+                <a:cs typeface="Times New Roman" charset="0"/>
+              </a:rPr>
+              <a:t>human</a:t>
+            </a:r>
+            <a:r>
+              <a:rPr lang="zh-CN" altLang="en-US" dirty="0" smtClean="0">
+                <a:latin typeface="Times New Roman" charset="0"/>
+                <a:ea typeface="Times New Roman" charset="0"/>
+                <a:cs typeface="Times New Roman" charset="0"/>
+              </a:rPr>
+              <a:t> </a:t>
+            </a:r>
+            <a:r>
+              <a:rPr lang="en-US" altLang="zh-CN" dirty="0" smtClean="0">
+                <a:latin typeface="Times New Roman" charset="0"/>
+                <a:ea typeface="Times New Roman" charset="0"/>
+                <a:cs typeface="Times New Roman" charset="0"/>
+              </a:rPr>
+              <a:t>masks</a:t>
+            </a:r>
+            <a:r>
+              <a:rPr lang="zh-CN" altLang="en-US" dirty="0" smtClean="0">
+                <a:latin typeface="Times New Roman" charset="0"/>
+                <a:ea typeface="Times New Roman" charset="0"/>
+                <a:cs typeface="Times New Roman" charset="0"/>
+              </a:rPr>
+              <a:t> </a:t>
+            </a:r>
+            <a:r>
+              <a:rPr lang="en-US" altLang="zh-CN" dirty="0" smtClean="0">
+                <a:latin typeface="Times New Roman" charset="0"/>
+                <a:ea typeface="Times New Roman" charset="0"/>
+                <a:cs typeface="Times New Roman" charset="0"/>
+              </a:rPr>
+              <a:t>in</a:t>
+            </a:r>
+            <a:r>
+              <a:rPr lang="zh-CN" altLang="en-US" dirty="0" smtClean="0">
+                <a:latin typeface="Times New Roman" charset="0"/>
+                <a:ea typeface="Times New Roman" charset="0"/>
+                <a:cs typeface="Times New Roman" charset="0"/>
+              </a:rPr>
+              <a:t> </a:t>
+            </a:r>
+            <a:r>
+              <a:rPr lang="en-US" altLang="zh-CN" dirty="0" smtClean="0">
+                <a:latin typeface="Times New Roman" charset="0"/>
+                <a:ea typeface="Times New Roman" charset="0"/>
+                <a:cs typeface="Times New Roman" charset="0"/>
+              </a:rPr>
+              <a:t>each</a:t>
+            </a:r>
+            <a:r>
+              <a:rPr lang="zh-CN" altLang="en-US" dirty="0" smtClean="0">
+                <a:latin typeface="Times New Roman" charset="0"/>
+                <a:ea typeface="Times New Roman" charset="0"/>
+                <a:cs typeface="Times New Roman" charset="0"/>
+              </a:rPr>
+              <a:t> </a:t>
+            </a:r>
+            <a:r>
+              <a:rPr lang="en-US" altLang="zh-CN" dirty="0" smtClean="0">
+                <a:latin typeface="Times New Roman" charset="0"/>
+                <a:ea typeface="Times New Roman" charset="0"/>
+                <a:cs typeface="Times New Roman" charset="0"/>
+              </a:rPr>
+              <a:t>video.</a:t>
+            </a:r>
+            <a:endParaRPr lang="en-US" dirty="0">
+              <a:latin typeface="Times New Roman" charset="0"/>
+              <a:ea typeface="Times New Roman" charset="0"/>
+              <a:cs typeface="Times New Roman" charset="0"/>
+            </a:endParaRPr>
+          </a:p>
+        </p:txBody>
+      </p:sp>
       <p:pic>
         <p:nvPicPr>
-          <p:cNvPr id="6" name="Picture 5"/>
+          <p:cNvPr id="2" name="Picture 1"/>
           <p:cNvPicPr>
             <a:picLocks noChangeAspect="1"/>
           </p:cNvPicPr>
@@ -2986,8 +3231,8 @@
         </p:blipFill>
         <p:spPr>
           <a:xfrm>
-            <a:off x="0" y="1628163"/>
-            <a:ext cx="4419256" cy="3246270"/>
+            <a:off x="16560" y="1165693"/>
+            <a:ext cx="4343533" cy="3774797"/>
           </a:xfrm>
           <a:prstGeom prst="rect">
             <a:avLst/>
@@ -2996,7 +3241,7 @@
       </p:pic>
       <p:pic>
         <p:nvPicPr>
-          <p:cNvPr id="8" name="Picture 7"/>
+          <p:cNvPr id="3" name="Picture 2"/>
           <p:cNvPicPr>
             <a:picLocks noChangeAspect="1"/>
           </p:cNvPicPr>
@@ -3016,254 +3261,14 @@
         </p:blipFill>
         <p:spPr>
           <a:xfrm>
-            <a:off x="4419256" y="1354508"/>
-            <a:ext cx="7140379" cy="4039237"/>
+            <a:off x="4360093" y="858940"/>
+            <a:ext cx="7729184" cy="4339471"/>
           </a:xfrm>
           <a:prstGeom prst="rect">
             <a:avLst/>
           </a:prstGeom>
         </p:spPr>
       </p:pic>
-      <p:sp>
-        <p:nvSpPr>
-          <p:cNvPr id="9" name="TextBox 8"/>
-          <p:cNvSpPr txBox="1"/>
-          <p:nvPr/>
-        </p:nvSpPr>
-        <p:spPr>
-          <a:xfrm>
-            <a:off x="1378424" y="5361885"/>
-            <a:ext cx="2129051" cy="369332"/>
-          </a:xfrm>
-          <a:prstGeom prst="rect">
-            <a:avLst/>
-          </a:prstGeom>
-          <a:noFill/>
-        </p:spPr>
-        <p:txBody>
-          <a:bodyPr wrap="square" rtlCol="0">
-            <a:spAutoFit/>
-          </a:bodyPr>
-          <a:lstStyle/>
-          <a:p>
-            <a:r>
-              <a:rPr lang="en-US" altLang="zh-CN" dirty="0" smtClean="0"/>
-              <a:t>(</a:t>
-            </a:r>
-            <a:r>
-              <a:rPr lang="en-US" altLang="zh-CN" dirty="0" smtClean="0">
-                <a:latin typeface="Times New Roman" charset="0"/>
-                <a:ea typeface="Times New Roman" charset="0"/>
-                <a:cs typeface="Times New Roman" charset="0"/>
-              </a:rPr>
-              <a:t>a)</a:t>
-            </a:r>
-            <a:r>
-              <a:rPr lang="zh-CN" altLang="en-US" dirty="0">
-                <a:latin typeface="Times New Roman" charset="0"/>
-                <a:ea typeface="Times New Roman" charset="0"/>
-                <a:cs typeface="Times New Roman" charset="0"/>
-              </a:rPr>
-              <a:t> </a:t>
-            </a:r>
-            <a:r>
-              <a:rPr lang="en-US" altLang="zh-CN" dirty="0" smtClean="0">
-                <a:latin typeface="Times New Roman" charset="0"/>
-                <a:ea typeface="Times New Roman" charset="0"/>
-                <a:cs typeface="Times New Roman" charset="0"/>
-              </a:rPr>
-              <a:t>Scene</a:t>
-            </a:r>
-            <a:r>
-              <a:rPr lang="zh-CN" altLang="en-US" dirty="0" smtClean="0">
-                <a:latin typeface="Times New Roman" charset="0"/>
-                <a:ea typeface="Times New Roman" charset="0"/>
-                <a:cs typeface="Times New Roman" charset="0"/>
-              </a:rPr>
-              <a:t> </a:t>
-            </a:r>
-            <a:r>
-              <a:rPr lang="en-US" altLang="zh-CN" dirty="0" smtClean="0">
-                <a:latin typeface="Times New Roman" charset="0"/>
-                <a:ea typeface="Times New Roman" charset="0"/>
-                <a:cs typeface="Times New Roman" charset="0"/>
-              </a:rPr>
-              <a:t>categories</a:t>
-            </a:r>
-            <a:endParaRPr lang="en-US" dirty="0">
-              <a:latin typeface="Times New Roman" charset="0"/>
-              <a:ea typeface="Times New Roman" charset="0"/>
-              <a:cs typeface="Times New Roman" charset="0"/>
-            </a:endParaRPr>
-          </a:p>
-        </p:txBody>
-      </p:sp>
-      <p:sp>
-        <p:nvSpPr>
-          <p:cNvPr id="10" name="TextBox 9"/>
-          <p:cNvSpPr txBox="1"/>
-          <p:nvPr/>
-        </p:nvSpPr>
-        <p:spPr>
-          <a:xfrm>
-            <a:off x="5133833" y="5361885"/>
-            <a:ext cx="6212006" cy="369332"/>
-          </a:xfrm>
-          <a:prstGeom prst="rect">
-            <a:avLst/>
-          </a:prstGeom>
-          <a:noFill/>
-        </p:spPr>
-        <p:txBody>
-          <a:bodyPr wrap="square" rtlCol="0">
-            <a:spAutoFit/>
-          </a:bodyPr>
-          <a:lstStyle/>
-          <a:p>
-            <a:r>
-              <a:rPr lang="en-US" altLang="zh-CN" dirty="0" smtClean="0">
-                <a:latin typeface="Times New Roman" charset="0"/>
-                <a:ea typeface="Times New Roman" charset="0"/>
-                <a:cs typeface="Times New Roman" charset="0"/>
-              </a:rPr>
-              <a:t>(b)</a:t>
-            </a:r>
-            <a:r>
-              <a:rPr lang="zh-CN" altLang="en-US" dirty="0" smtClean="0">
-                <a:latin typeface="Times New Roman" charset="0"/>
-                <a:ea typeface="Times New Roman" charset="0"/>
-                <a:cs typeface="Times New Roman" charset="0"/>
-              </a:rPr>
-              <a:t> </a:t>
-            </a:r>
-            <a:r>
-              <a:rPr lang="en-US" altLang="zh-CN" dirty="0" smtClean="0">
-                <a:latin typeface="Times New Roman" charset="0"/>
-                <a:ea typeface="Times New Roman" charset="0"/>
-                <a:cs typeface="Times New Roman" charset="0"/>
-              </a:rPr>
-              <a:t>Number</a:t>
-            </a:r>
-            <a:r>
-              <a:rPr lang="zh-CN" altLang="en-US" dirty="0" smtClean="0">
-                <a:latin typeface="Times New Roman" charset="0"/>
-                <a:ea typeface="Times New Roman" charset="0"/>
-                <a:cs typeface="Times New Roman" charset="0"/>
-              </a:rPr>
-              <a:t> </a:t>
-            </a:r>
-            <a:r>
-              <a:rPr lang="en-US" altLang="zh-CN" dirty="0" smtClean="0">
-                <a:latin typeface="Times New Roman" charset="0"/>
-                <a:ea typeface="Times New Roman" charset="0"/>
-                <a:cs typeface="Times New Roman" charset="0"/>
-              </a:rPr>
-              <a:t>of</a:t>
-            </a:r>
-            <a:r>
-              <a:rPr lang="zh-CN" altLang="en-US" dirty="0" smtClean="0">
-                <a:latin typeface="Times New Roman" charset="0"/>
-                <a:ea typeface="Times New Roman" charset="0"/>
-                <a:cs typeface="Times New Roman" charset="0"/>
-              </a:rPr>
-              <a:t> </a:t>
-            </a:r>
-            <a:r>
-              <a:rPr lang="en-US" altLang="zh-CN" dirty="0" smtClean="0">
-                <a:latin typeface="Times New Roman" charset="0"/>
-                <a:ea typeface="Times New Roman" charset="0"/>
-                <a:cs typeface="Times New Roman" charset="0"/>
-              </a:rPr>
-              <a:t>object-/instance-level</a:t>
-            </a:r>
-            <a:r>
-              <a:rPr lang="zh-CN" altLang="en-US" dirty="0" smtClean="0">
-                <a:latin typeface="Times New Roman" charset="0"/>
-                <a:ea typeface="Times New Roman" charset="0"/>
-                <a:cs typeface="Times New Roman" charset="0"/>
-              </a:rPr>
-              <a:t> </a:t>
-            </a:r>
-            <a:r>
-              <a:rPr lang="en-US" altLang="zh-CN" dirty="0" smtClean="0">
-                <a:latin typeface="Times New Roman" charset="0"/>
-                <a:ea typeface="Times New Roman" charset="0"/>
-                <a:cs typeface="Times New Roman" charset="0"/>
-              </a:rPr>
-              <a:t>human</a:t>
-            </a:r>
-            <a:r>
-              <a:rPr lang="zh-CN" altLang="en-US" dirty="0" smtClean="0">
-                <a:latin typeface="Times New Roman" charset="0"/>
-                <a:ea typeface="Times New Roman" charset="0"/>
-                <a:cs typeface="Times New Roman" charset="0"/>
-              </a:rPr>
-              <a:t> </a:t>
-            </a:r>
-            <a:r>
-              <a:rPr lang="en-US" altLang="zh-CN" dirty="0" smtClean="0">
-                <a:latin typeface="Times New Roman" charset="0"/>
-                <a:ea typeface="Times New Roman" charset="0"/>
-                <a:cs typeface="Times New Roman" charset="0"/>
-              </a:rPr>
-              <a:t>masks</a:t>
-            </a:r>
-            <a:r>
-              <a:rPr lang="zh-CN" altLang="en-US" dirty="0" smtClean="0">
-                <a:latin typeface="Times New Roman" charset="0"/>
-                <a:ea typeface="Times New Roman" charset="0"/>
-                <a:cs typeface="Times New Roman" charset="0"/>
-              </a:rPr>
-              <a:t> </a:t>
-            </a:r>
-            <a:r>
-              <a:rPr lang="en-US" altLang="zh-CN" dirty="0" smtClean="0">
-                <a:latin typeface="Times New Roman" charset="0"/>
-                <a:ea typeface="Times New Roman" charset="0"/>
-                <a:cs typeface="Times New Roman" charset="0"/>
-              </a:rPr>
-              <a:t>in</a:t>
-            </a:r>
-            <a:r>
-              <a:rPr lang="zh-CN" altLang="en-US" dirty="0" smtClean="0">
-                <a:latin typeface="Times New Roman" charset="0"/>
-                <a:ea typeface="Times New Roman" charset="0"/>
-                <a:cs typeface="Times New Roman" charset="0"/>
-              </a:rPr>
-              <a:t> </a:t>
-            </a:r>
-            <a:r>
-              <a:rPr lang="en-US" altLang="zh-CN" dirty="0" smtClean="0">
-                <a:latin typeface="Times New Roman" charset="0"/>
-                <a:ea typeface="Times New Roman" charset="0"/>
-                <a:cs typeface="Times New Roman" charset="0"/>
-              </a:rPr>
-              <a:t>each</a:t>
-            </a:r>
-            <a:r>
-              <a:rPr lang="zh-CN" altLang="en-US" dirty="0" smtClean="0">
-                <a:latin typeface="Times New Roman" charset="0"/>
-                <a:ea typeface="Times New Roman" charset="0"/>
-                <a:cs typeface="Times New Roman" charset="0"/>
-              </a:rPr>
-              <a:t> </a:t>
-            </a:r>
-            <a:r>
-              <a:rPr lang="en-US" altLang="zh-CN" dirty="0" smtClean="0">
-                <a:latin typeface="Times New Roman" charset="0"/>
-                <a:ea typeface="Times New Roman" charset="0"/>
-                <a:cs typeface="Times New Roman" charset="0"/>
-              </a:rPr>
-              <a:t>video.</a:t>
-            </a:r>
-            <a:endParaRPr lang="en-US" dirty="0">
-              <a:latin typeface="Times New Roman" charset="0"/>
-              <a:ea typeface="Times New Roman" charset="0"/>
-              <a:cs typeface="Times New Roman" charset="0"/>
-            </a:endParaRPr>
-          </a:p>
-        </p:txBody>
-      </p:sp>
     </p:spTree>
     <p:extLst>
       <p:ext uri="{BB962C8B-B14F-4D97-AF65-F5344CB8AC3E}">
